--- a/osi-and-tcp.pptx
+++ b/osi-and-tcp.pptx
@@ -104,13 +104,18 @@
       </a:defRPr>
     </a:lvl9pPr>
   </p:defaultTextStyle>
+  <p:extLst>
+    <p:ext uri="{EFAFB233-063F-42B5-8137-9DF3F51BA10A}">
+      <p15:sldGuideLst xmlns:p15="http://schemas.microsoft.com/office/powerpoint/2012/main"/>
+    </p:ext>
+  </p:extLst>
 </p:presentation>
 </file>
 
 <file path=ppt/revisionInfo.xml><?xml version="1.0" encoding="utf-8"?>
 <p1510:revInfo xmlns:a="http://schemas.openxmlformats.org/drawingml/2006/main" xmlns:r="http://schemas.openxmlformats.org/officeDocument/2006/relationships" xmlns:p1510="http://schemas.microsoft.com/office/powerpoint/2015/10/main">
   <p1510:revLst>
-    <p1510:client id="{E53DF937-37F3-4376-A316-BD403535942B}" v="2" dt="2020-07-12T11:26:07.934"/>
+    <p1510:client id="{E53DF937-37F3-4376-A316-BD403535942B}" v="4" dt="2020-07-22T06:26:48.823"/>
   </p1510:revLst>
 </p1510:revInfo>
 </file>
@@ -120,18 +125,18 @@
   <pc:docChgLst>
     <pc:chgData name="Geunyeong Choi" userId="8d3f6f67c92455aa" providerId="LiveId" clId="{E53DF937-37F3-4376-A316-BD403535942B}"/>
     <pc:docChg chg="undo custSel modSld">
-      <pc:chgData name="Geunyeong Choi" userId="8d3f6f67c92455aa" providerId="LiveId" clId="{E53DF937-37F3-4376-A316-BD403535942B}" dt="2020-07-12T11:27:35.013" v="241" actId="20577"/>
+      <pc:chgData name="Geunyeong Choi" userId="8d3f6f67c92455aa" providerId="LiveId" clId="{E53DF937-37F3-4376-A316-BD403535942B}" dt="2020-07-22T06:27:37.491" v="288" actId="20577"/>
       <pc:docMkLst>
         <pc:docMk/>
       </pc:docMkLst>
       <pc:sldChg chg="modSp mod">
-        <pc:chgData name="Geunyeong Choi" userId="8d3f6f67c92455aa" providerId="LiveId" clId="{E53DF937-37F3-4376-A316-BD403535942B}" dt="2020-07-12T11:27:35.013" v="241" actId="20577"/>
+        <pc:chgData name="Geunyeong Choi" userId="8d3f6f67c92455aa" providerId="LiveId" clId="{E53DF937-37F3-4376-A316-BD403535942B}" dt="2020-07-22T06:27:37.491" v="288" actId="20577"/>
         <pc:sldMkLst>
           <pc:docMk/>
           <pc:sldMk cId="2210404762" sldId="256"/>
         </pc:sldMkLst>
         <pc:graphicFrameChg chg="mod modGraphic">
-          <ac:chgData name="Geunyeong Choi" userId="8d3f6f67c92455aa" providerId="LiveId" clId="{E53DF937-37F3-4376-A316-BD403535942B}" dt="2020-07-12T11:27:35.013" v="241" actId="20577"/>
+          <ac:chgData name="Geunyeong Choi" userId="8d3f6f67c92455aa" providerId="LiveId" clId="{E53DF937-37F3-4376-A316-BD403535942B}" dt="2020-07-22T06:27:37.491" v="288" actId="20577"/>
           <ac:graphicFrameMkLst>
             <pc:docMk/>
             <pc:sldMk cId="2210404762" sldId="256"/>
@@ -291,7 +296,7 @@
           <a:p>
             <a:fld id="{89CCB87A-3220-4E44-98D4-305804CD585E}" type="datetimeFigureOut">
               <a:rPr lang="ko-KR" altLang="en-US" smtClean="0"/>
-              <a:t>2020-07-12</a:t>
+              <a:t>2020-07-22</a:t>
             </a:fld>
             <a:endParaRPr lang="ko-KR" altLang="en-US"/>
           </a:p>
@@ -489,7 +494,7 @@
           <a:p>
             <a:fld id="{89CCB87A-3220-4E44-98D4-305804CD585E}" type="datetimeFigureOut">
               <a:rPr lang="ko-KR" altLang="en-US" smtClean="0"/>
-              <a:t>2020-07-12</a:t>
+              <a:t>2020-07-22</a:t>
             </a:fld>
             <a:endParaRPr lang="ko-KR" altLang="en-US"/>
           </a:p>
@@ -697,7 +702,7 @@
           <a:p>
             <a:fld id="{89CCB87A-3220-4E44-98D4-305804CD585E}" type="datetimeFigureOut">
               <a:rPr lang="ko-KR" altLang="en-US" smtClean="0"/>
-              <a:t>2020-07-12</a:t>
+              <a:t>2020-07-22</a:t>
             </a:fld>
             <a:endParaRPr lang="ko-KR" altLang="en-US"/>
           </a:p>
@@ -895,7 +900,7 @@
           <a:p>
             <a:fld id="{89CCB87A-3220-4E44-98D4-305804CD585E}" type="datetimeFigureOut">
               <a:rPr lang="ko-KR" altLang="en-US" smtClean="0"/>
-              <a:t>2020-07-12</a:t>
+              <a:t>2020-07-22</a:t>
             </a:fld>
             <a:endParaRPr lang="ko-KR" altLang="en-US"/>
           </a:p>
@@ -1170,7 +1175,7 @@
           <a:p>
             <a:fld id="{89CCB87A-3220-4E44-98D4-305804CD585E}" type="datetimeFigureOut">
               <a:rPr lang="ko-KR" altLang="en-US" smtClean="0"/>
-              <a:t>2020-07-12</a:t>
+              <a:t>2020-07-22</a:t>
             </a:fld>
             <a:endParaRPr lang="ko-KR" altLang="en-US"/>
           </a:p>
@@ -1435,7 +1440,7 @@
           <a:p>
             <a:fld id="{89CCB87A-3220-4E44-98D4-305804CD585E}" type="datetimeFigureOut">
               <a:rPr lang="ko-KR" altLang="en-US" smtClean="0"/>
-              <a:t>2020-07-12</a:t>
+              <a:t>2020-07-22</a:t>
             </a:fld>
             <a:endParaRPr lang="ko-KR" altLang="en-US"/>
           </a:p>
@@ -1847,7 +1852,7 @@
           <a:p>
             <a:fld id="{89CCB87A-3220-4E44-98D4-305804CD585E}" type="datetimeFigureOut">
               <a:rPr lang="ko-KR" altLang="en-US" smtClean="0"/>
-              <a:t>2020-07-12</a:t>
+              <a:t>2020-07-22</a:t>
             </a:fld>
             <a:endParaRPr lang="ko-KR" altLang="en-US"/>
           </a:p>
@@ -1988,7 +1993,7 @@
           <a:p>
             <a:fld id="{89CCB87A-3220-4E44-98D4-305804CD585E}" type="datetimeFigureOut">
               <a:rPr lang="ko-KR" altLang="en-US" smtClean="0"/>
-              <a:t>2020-07-12</a:t>
+              <a:t>2020-07-22</a:t>
             </a:fld>
             <a:endParaRPr lang="ko-KR" altLang="en-US"/>
           </a:p>
@@ -2101,7 +2106,7 @@
           <a:p>
             <a:fld id="{89CCB87A-3220-4E44-98D4-305804CD585E}" type="datetimeFigureOut">
               <a:rPr lang="ko-KR" altLang="en-US" smtClean="0"/>
-              <a:t>2020-07-12</a:t>
+              <a:t>2020-07-22</a:t>
             </a:fld>
             <a:endParaRPr lang="ko-KR" altLang="en-US"/>
           </a:p>
@@ -2412,7 +2417,7 @@
           <a:p>
             <a:fld id="{89CCB87A-3220-4E44-98D4-305804CD585E}" type="datetimeFigureOut">
               <a:rPr lang="ko-KR" altLang="en-US" smtClean="0"/>
-              <a:t>2020-07-12</a:t>
+              <a:t>2020-07-22</a:t>
             </a:fld>
             <a:endParaRPr lang="ko-KR" altLang="en-US"/>
           </a:p>
@@ -2700,7 +2705,7 @@
           <a:p>
             <a:fld id="{89CCB87A-3220-4E44-98D4-305804CD585E}" type="datetimeFigureOut">
               <a:rPr lang="ko-KR" altLang="en-US" smtClean="0"/>
-              <a:t>2020-07-12</a:t>
+              <a:t>2020-07-22</a:t>
             </a:fld>
             <a:endParaRPr lang="ko-KR" altLang="en-US"/>
           </a:p>
@@ -2941,7 +2946,7 @@
           <a:p>
             <a:fld id="{89CCB87A-3220-4E44-98D4-305804CD585E}" type="datetimeFigureOut">
               <a:rPr lang="ko-KR" altLang="en-US" smtClean="0"/>
-              <a:t>2020-07-12</a:t>
+              <a:t>2020-07-22</a:t>
             </a:fld>
             <a:endParaRPr lang="ko-KR" altLang="en-US"/>
           </a:p>
@@ -3373,7 +3378,7 @@
           <p:nvPr>
             <p:extLst>
               <p:ext uri="{D42A27DB-BD31-4B8C-83A1-F6EECF244321}">
-                <p14:modId xmlns:p14="http://schemas.microsoft.com/office/powerpoint/2010/main" val="2399418349"/>
+                <p14:modId xmlns:p14="http://schemas.microsoft.com/office/powerpoint/2010/main" val="278734496"/>
               </p:ext>
             </p:extLst>
           </p:nvPr>
@@ -3542,13 +3547,21 @@
                   </a:txBody>
                   <a:tcPr anchor="ctr"/>
                 </a:tc>
-                <a:tc>
+                <a:tc rowSpan="3">
                   <a:txBody>
                     <a:bodyPr/>
                     <a:lstStyle/>
                     <a:p>
                       <a:pPr algn="ctr" latinLnBrk="1"/>
-                      <a:endParaRPr lang="ko-KR" altLang="en-US" sz="2400"/>
+                      <a:r>
+                        <a:rPr lang="en-US" altLang="ko-KR" sz="2400" dirty="0"/>
+                        <a:t>L7</a:t>
+                      </a:r>
+                      <a:r>
+                        <a:rPr lang="en-US" altLang="ko-KR" sz="2400"/>
+                        <a:t>(Firewall)</a:t>
+                      </a:r>
+                      <a:endParaRPr lang="ko-KR" altLang="en-US" sz="2400" dirty="0"/>
                     </a:p>
                   </a:txBody>
                   <a:tcPr anchor="ctr"/>
@@ -3633,13 +3646,13 @@
                   </a:txBody>
                   <a:tcPr anchor="ctr"/>
                 </a:tc>
-                <a:tc>
+                <a:tc vMerge="1">
                   <a:txBody>
                     <a:bodyPr/>
                     <a:lstStyle/>
                     <a:p>
                       <a:pPr algn="ctr" latinLnBrk="1"/>
-                      <a:endParaRPr lang="ko-KR" altLang="en-US" sz="2400"/>
+                      <a:endParaRPr lang="ko-KR" altLang="en-US" sz="2400" dirty="0"/>
                     </a:p>
                   </a:txBody>
                   <a:tcPr anchor="ctr"/>
@@ -3703,13 +3716,13 @@
                   </a:txBody>
                   <a:tcPr anchor="ctr"/>
                 </a:tc>
-                <a:tc>
+                <a:tc vMerge="1">
                   <a:txBody>
                     <a:bodyPr/>
                     <a:lstStyle/>
                     <a:p>
                       <a:pPr algn="ctr" latinLnBrk="1"/>
-                      <a:endParaRPr lang="ko-KR" altLang="en-US" sz="2400"/>
+                      <a:endParaRPr lang="ko-KR" altLang="en-US" sz="2400" dirty="0"/>
                     </a:p>
                   </a:txBody>
                   <a:tcPr anchor="ctr"/>
@@ -3779,6 +3792,10 @@
                     <a:lstStyle/>
                     <a:p>
                       <a:pPr algn="ctr" latinLnBrk="1"/>
+                      <a:r>
+                        <a:rPr lang="en-US" altLang="ko-KR" sz="2400" dirty="0"/>
+                        <a:t>L4(NAT)</a:t>
+                      </a:r>
                       <a:endParaRPr lang="ko-KR" altLang="en-US" sz="2400" dirty="0"/>
                     </a:p>
                   </a:txBody>
@@ -3857,7 +3874,11 @@
                     <a:lstStyle/>
                     <a:p>
                       <a:pPr algn="ctr" latinLnBrk="1"/>
-                      <a:endParaRPr lang="ko-KR" altLang="en-US" sz="2400"/>
+                      <a:r>
+                        <a:rPr lang="en-US" altLang="ko-KR" sz="2400" dirty="0"/>
+                        <a:t>L3(Router)</a:t>
+                      </a:r>
+                      <a:endParaRPr lang="ko-KR" altLang="en-US" sz="2400" dirty="0"/>
                     </a:p>
                   </a:txBody>
                   <a:tcPr anchor="ctr"/>
@@ -3935,7 +3956,11 @@
                     <a:lstStyle/>
                     <a:p>
                       <a:pPr algn="ctr" latinLnBrk="1"/>
-                      <a:endParaRPr lang="ko-KR" altLang="en-US" sz="2400"/>
+                      <a:r>
+                        <a:rPr lang="en-US" altLang="ko-KR" sz="2400" dirty="0"/>
+                        <a:t>L2(Switch)</a:t>
+                      </a:r>
+                      <a:endParaRPr lang="ko-KR" altLang="en-US" sz="2400" dirty="0"/>
                     </a:p>
                   </a:txBody>
                   <a:tcPr anchor="ctr"/>
@@ -4024,6 +4049,10 @@
                     <a:lstStyle/>
                     <a:p>
                       <a:pPr algn="ctr" latinLnBrk="1"/>
+                      <a:r>
+                        <a:rPr lang="en-US" altLang="ko-KR" sz="2400" dirty="0"/>
+                        <a:t>L1</a:t>
+                      </a:r>
                       <a:endParaRPr lang="ko-KR" altLang="en-US" sz="2400" dirty="0"/>
                     </a:p>
                   </a:txBody>
